--- a/others/Presentatie 3, 25-5-2018.pptx
+++ b/others/Presentatie 3, 25-5-2018.pptx
@@ -162,7 +162,7 @@
       </p14:sectionLst>
     </p:ext>
     <p:ext uri="{EFAFB233-063F-42B5-8137-9DF3F51BA10A}">
-      <p15:sldGuideLst xmlns:p15="http://schemas.microsoft.com/office/powerpoint/2012/main" xmlns=""/>
+      <p15:sldGuideLst xmlns="" xmlns:p15="http://schemas.microsoft.com/office/powerpoint/2012/main"/>
     </p:ext>
   </p:extLst>
 </p:presentation>
@@ -408,7 +408,7 @@
           <a:p>
             <a:fld id="{F1D0EC34-3F2A-7B4E-968D-1C2C7A1FE2B4}" type="slidenum">
               <a:rPr lang="en-US" smtClean="0"/>
-              <a:t>‹#›</a:t>
+              <a:t>‹nr.›</a:t>
             </a:fld>
             <a:endParaRPr lang="en-US"/>
           </a:p>
@@ -2232,7 +2232,7 @@
           <a:p>
             <a:fld id="{050186D6-9F8B-4B4C-91BA-3C904B7CBFA0}" type="slidenum">
               <a:rPr lang="en-US" smtClean="0"/>
-              <a:t>‹#›</a:t>
+              <a:t>‹nr.›</a:t>
             </a:fld>
             <a:endParaRPr lang="en-US"/>
           </a:p>
@@ -2462,7 +2462,7 @@
           <a:p>
             <a:fld id="{050186D6-9F8B-4B4C-91BA-3C904B7CBFA0}" type="slidenum">
               <a:rPr lang="en-US" smtClean="0"/>
-              <a:t>‹#›</a:t>
+              <a:t>‹nr.›</a:t>
             </a:fld>
             <a:endParaRPr lang="en-US"/>
           </a:p>
@@ -2718,7 +2718,7 @@
           <a:p>
             <a:fld id="{050186D6-9F8B-4B4C-91BA-3C904B7CBFA0}" type="slidenum">
               <a:rPr lang="en-US" smtClean="0"/>
-              <a:t>‹#›</a:t>
+              <a:t>‹nr.›</a:t>
             </a:fld>
             <a:endParaRPr lang="en-US"/>
           </a:p>
@@ -2942,7 +2942,7 @@
           <a:p>
             <a:fld id="{050186D6-9F8B-4B4C-91BA-3C904B7CBFA0}" type="slidenum">
               <a:rPr lang="en-US" smtClean="0"/>
-              <a:t>‹#›</a:t>
+              <a:t>‹nr.›</a:t>
             </a:fld>
             <a:endParaRPr lang="en-US"/>
           </a:p>
@@ -3266,7 +3266,7 @@
           <a:p>
             <a:fld id="{050186D6-9F8B-4B4C-91BA-3C904B7CBFA0}" type="slidenum">
               <a:rPr lang="en-US" smtClean="0"/>
-              <a:t>‹#›</a:t>
+              <a:t>‹nr.›</a:t>
             </a:fld>
             <a:endParaRPr lang="en-US"/>
           </a:p>
@@ -3546,7 +3546,7 @@
           <a:p>
             <a:fld id="{050186D6-9F8B-4B4C-91BA-3C904B7CBFA0}" type="slidenum">
               <a:rPr lang="en-US" smtClean="0"/>
-              <a:t>‹#›</a:t>
+              <a:t>‹nr.›</a:t>
             </a:fld>
             <a:endParaRPr lang="en-US"/>
           </a:p>
@@ -3968,7 +3968,7 @@
           <a:p>
             <a:fld id="{050186D6-9F8B-4B4C-91BA-3C904B7CBFA0}" type="slidenum">
               <a:rPr lang="en-US" smtClean="0"/>
-              <a:t>‹#›</a:t>
+              <a:t>‹nr.›</a:t>
             </a:fld>
             <a:endParaRPr lang="en-US"/>
           </a:p>
@@ -4130,7 +4130,7 @@
           <a:p>
             <a:fld id="{050186D6-9F8B-4B4C-91BA-3C904B7CBFA0}" type="slidenum">
               <a:rPr lang="en-US" smtClean="0"/>
-              <a:t>‹#›</a:t>
+              <a:t>‹nr.›</a:t>
             </a:fld>
             <a:endParaRPr lang="en-US"/>
           </a:p>
@@ -4225,7 +4225,7 @@
           <a:p>
             <a:fld id="{050186D6-9F8B-4B4C-91BA-3C904B7CBFA0}" type="slidenum">
               <a:rPr lang="en-US" smtClean="0"/>
-              <a:t>‹#›</a:t>
+              <a:t>‹nr.›</a:t>
             </a:fld>
             <a:endParaRPr lang="en-US"/>
           </a:p>
@@ -4625,7 +4625,7 @@
           <a:p>
             <a:fld id="{050186D6-9F8B-4B4C-91BA-3C904B7CBFA0}" type="slidenum">
               <a:rPr lang="en-US" smtClean="0"/>
-              <a:t>‹#›</a:t>
+              <a:t>‹nr.›</a:t>
             </a:fld>
             <a:endParaRPr lang="en-US"/>
           </a:p>
@@ -4892,7 +4892,7 @@
           <a:p>
             <a:fld id="{050186D6-9F8B-4B4C-91BA-3C904B7CBFA0}" type="slidenum">
               <a:rPr lang="en-US" smtClean="0"/>
-              <a:t>‹#›</a:t>
+              <a:t>‹nr.›</a:t>
             </a:fld>
             <a:endParaRPr lang="en-US"/>
           </a:p>
@@ -5135,7 +5135,7 @@
           <a:p>
             <a:fld id="{050186D6-9F8B-4B4C-91BA-3C904B7CBFA0}" type="slidenum">
               <a:rPr lang="en-US" smtClean="0"/>
-              <a:t>‹#›</a:t>
+              <a:t>‹nr.›</a:t>
             </a:fld>
             <a:endParaRPr lang="en-US"/>
           </a:p>
@@ -5644,7 +5644,7 @@
   </p:txStyles>
   <p:extLst>
     <p:ext uri="{27BBF7A9-308A-43DC-89C8-2F10F3537804}">
-      <p15:sldGuideLst xmlns:p15="http://schemas.microsoft.com/office/powerpoint/2012/main" xmlns=""/>
+      <p15:sldGuideLst xmlns="" xmlns:p15="http://schemas.microsoft.com/office/powerpoint/2012/main"/>
     </p:ext>
   </p:extLst>
 </p:sldMaster>
@@ -5672,7 +5672,7 @@
           <p:cNvPr id="2" name="Title 1">
             <a:extLst>
               <a:ext uri="{FF2B5EF4-FFF2-40B4-BE49-F238E27FC236}">
-                <a16:creationId xmlns:a16="http://schemas.microsoft.com/office/drawing/2014/main" xmlns="" id="{6D55FCA9-6623-B940-98A2-80B82B6F7BCA}"/>
+                <a16:creationId xmlns="" xmlns:a16="http://schemas.microsoft.com/office/drawing/2014/main" id="{6D55FCA9-6623-B940-98A2-80B82B6F7BCA}"/>
               </a:ext>
             </a:extLst>
           </p:cNvPr>
@@ -5703,7 +5703,7 @@
           <p:cNvPr id="3" name="Subtitle 2">
             <a:extLst>
               <a:ext uri="{FF2B5EF4-FFF2-40B4-BE49-F238E27FC236}">
-                <a16:creationId xmlns:a16="http://schemas.microsoft.com/office/drawing/2014/main" xmlns="" id="{721AFF1E-9090-DE44-A816-2FAE81679641}"/>
+                <a16:creationId xmlns="" xmlns:a16="http://schemas.microsoft.com/office/drawing/2014/main" id="{721AFF1E-9090-DE44-A816-2FAE81679641}"/>
               </a:ext>
             </a:extLst>
           </p:cNvPr>
@@ -5832,11 +5832,11 @@
   <p:clrMapOvr>
     <a:masterClrMapping/>
   </p:clrMapOvr>
-  <mc:AlternateContent xmlns:mc="http://schemas.openxmlformats.org/markup-compatibility/2006">
-    <mc:Choice xmlns:p14="http://schemas.microsoft.com/office/powerpoint/2010/main" Requires="p14">
+  <mc:AlternateContent xmlns:mc="http://schemas.openxmlformats.org/markup-compatibility/2006" xmlns:p14="http://schemas.microsoft.com/office/powerpoint/2010/main">
+    <mc:Choice Requires="p14">
       <p:transition p14:dur="10"/>
     </mc:Choice>
-    <mc:Fallback>
+    <mc:Fallback xmlns="">
       <p:transition/>
     </mc:Fallback>
   </mc:AlternateContent>
@@ -6611,11 +6611,7 @@
           <a:p>
             <a:r>
               <a:rPr lang="nl-NL" dirty="0" smtClean="0"/>
-              <a:t>Stochastische Hill </a:t>
-            </a:r>
-            <a:r>
-              <a:rPr lang="nl-NL" dirty="0" smtClean="0"/>
-              <a:t>climber </a:t>
+              <a:t>Stochastische Hill climber </a:t>
             </a:r>
             <a:endParaRPr lang="en-GB" dirty="0"/>
           </a:p>
@@ -6789,6 +6785,70 @@
           <a:chExt cx="0" cy="0"/>
         </a:xfrm>
       </p:grpSpPr>
+      <p:pic>
+        <p:nvPicPr>
+          <p:cNvPr id="1027" name="Picture 3"/>
+          <p:cNvPicPr>
+            <a:picLocks noChangeAspect="1" noChangeArrowheads="1"/>
+          </p:cNvPicPr>
+          <p:nvPr/>
+        </p:nvPicPr>
+        <p:blipFill>
+          <a:blip r:embed="rId2">
+            <a:extLst>
+              <a:ext uri="{28A0092B-C50C-407E-A947-70E740481C1C}">
+                <a14:useLocalDpi xmlns:a14="http://schemas.microsoft.com/office/drawing/2010/main" val="0"/>
+              </a:ext>
+            </a:extLst>
+          </a:blip>
+          <a:srcRect/>
+          <a:stretch>
+            <a:fillRect/>
+          </a:stretch>
+        </p:blipFill>
+        <p:spPr bwMode="auto">
+          <a:xfrm>
+            <a:off x="5179326" y="2371178"/>
+            <a:ext cx="5556250" cy="3406775"/>
+          </a:xfrm>
+          <a:prstGeom prst="rect">
+            <a:avLst/>
+          </a:prstGeom>
+          <a:noFill/>
+          <a:ln>
+            <a:noFill/>
+          </a:ln>
+          <a:effectLst/>
+          <a:extLst>
+            <a:ext uri="{909E8E84-426E-40DD-AFC4-6F175D3DCCD1}">
+              <a14:hiddenFill xmlns:a14="http://schemas.microsoft.com/office/drawing/2010/main">
+                <a:solidFill>
+                  <a:schemeClr val="accent1"/>
+                </a:solidFill>
+              </a14:hiddenFill>
+            </a:ext>
+            <a:ext uri="{91240B29-F687-4F45-9708-019B960494DF}">
+              <a14:hiddenLine xmlns:a14="http://schemas.microsoft.com/office/drawing/2010/main" w="9525">
+                <a:solidFill>
+                  <a:schemeClr val="tx1"/>
+                </a:solidFill>
+                <a:miter lim="800000"/>
+                <a:headEnd/>
+                <a:tailEnd/>
+              </a14:hiddenLine>
+            </a:ext>
+            <a:ext uri="{AF507438-7753-43E0-B8FC-AC1667EBCBE1}">
+              <a14:hiddenEffects xmlns:a14="http://schemas.microsoft.com/office/drawing/2010/main">
+                <a:effectLst>
+                  <a:outerShdw dist="35921" dir="2700000" algn="ctr" rotWithShape="0">
+                    <a:schemeClr val="bg2"/>
+                  </a:outerShdw>
+                </a:effectLst>
+              </a14:hiddenEffects>
+            </a:ext>
+          </a:extLst>
+        </p:spPr>
+      </p:pic>
       <p:sp>
         <p:nvSpPr>
           <p:cNvPr id="2" name="Titel 1"/>
@@ -6949,7 +7009,7 @@
                 <a:ext cx="5270967" cy="3678303"/>
               </a:xfrm>
               <a:blipFill rotWithShape="1">
-                <a:blip r:embed="rId2"/>
+                <a:blip r:embed="rId3"/>
                 <a:stretch>
                   <a:fillRect l="-463"/>
                 </a:stretch>
@@ -6970,30 +7030,6 @@
           </p:sp>
         </mc:Fallback>
       </mc:AlternateContent>
-      <p:pic>
-        <p:nvPicPr>
-          <p:cNvPr id="6" name="Afbeelding 5"/>
-          <p:cNvPicPr>
-            <a:picLocks noChangeAspect="1"/>
-          </p:cNvPicPr>
-          <p:nvPr/>
-        </p:nvPicPr>
-        <p:blipFill>
-          <a:blip r:embed="rId3"/>
-          <a:stretch>
-            <a:fillRect/>
-          </a:stretch>
-        </p:blipFill>
-        <p:spPr>
-          <a:xfrm>
-            <a:off x="5179326" y="2628552"/>
-            <a:ext cx="6431482" cy="3149401"/>
-          </a:xfrm>
-          <a:prstGeom prst="rect">
-            <a:avLst/>
-          </a:prstGeom>
-        </p:spPr>
-      </p:pic>
       <p:sp>
         <p:nvSpPr>
           <p:cNvPr id="7" name="Tijdelijke aanduiding voor inhoud 20"/>
@@ -7005,7 +7041,7 @@
         <p:spPr>
           <a:xfrm>
             <a:off x="6153912" y="1965960"/>
-            <a:ext cx="3611880" cy="891192"/>
+            <a:ext cx="3843528" cy="891192"/>
           </a:xfrm>
           <a:prstGeom prst="rect">
             <a:avLst/>
@@ -7016,7 +7052,7 @@
         </p:spPr>
         <p:txBody>
           <a:bodyPr vert="horz" lIns="91440" tIns="45720" rIns="91440" bIns="45720" rtlCol="0" anchor="ctr">
-            <a:normAutofit fontScale="55000" lnSpcReduction="20000"/>
+            <a:normAutofit fontScale="47500" lnSpcReduction="20000"/>
           </a:bodyPr>
           <a:lstStyle>
             <a:lvl1pPr marL="306000" indent="-306000" algn="l" defTabSz="457200" rtl="0" eaLnBrk="1" latinLnBrk="0" hangingPunct="1">
@@ -7245,7 +7281,11 @@
             </a:pPr>
             <a:r>
               <a:rPr lang="nl-NL" i="1" dirty="0" smtClean="0"/>
-              <a:t>Temperatuur: exponentieel | Start temperatuur: 800</a:t>
+              <a:t>Temperatuur: exponentieel | Start temperatuur: </a:t>
+            </a:r>
+            <a:r>
+              <a:rPr lang="nl-NL" i="1" dirty="0" smtClean="0"/>
+              <a:t>800 | Eind temperatuur 0,01</a:t>
             </a:r>
             <a:endParaRPr lang="nl-NL" i="1" dirty="0"/>
           </a:p>
@@ -14169,8 +14209,8 @@
           </a:p>
         </p:txBody>
       </p:sp>
-      <mc:AlternateContent xmlns:mc="http://schemas.openxmlformats.org/markup-compatibility/2006">
-        <mc:Choice xmlns:a14="http://schemas.microsoft.com/office/drawing/2010/main" Requires="a14">
+      <mc:AlternateContent xmlns:mc="http://schemas.openxmlformats.org/markup-compatibility/2006" xmlns:a14="http://schemas.microsoft.com/office/drawing/2010/main">
+        <mc:Choice Requires="a14">
           <p:sp>
             <p:nvSpPr>
               <p:cNvPr id="3" name="Tijdelijke aanduiding voor inhoud 2"/>
@@ -14252,7 +14292,7 @@
             </p:txBody>
           </p:sp>
         </mc:Choice>
-        <mc:Fallback>
+        <mc:Fallback xmlns="">
           <p:sp>
             <p:nvSpPr>
               <p:cNvPr id="3" name="Tijdelijke aanduiding voor inhoud 2"/>
@@ -18953,13 +18993,8 @@
             </a:pPr>
             <a:r>
               <a:rPr lang="nl-NL" dirty="0" smtClean="0"/>
-              <a:t>20 </a:t>
-            </a:r>
-            <a:r>
-              <a:rPr lang="nl-NL" dirty="0" smtClean="0"/>
-              <a:t>huizen</a:t>
-            </a:r>
-            <a:endParaRPr lang="nl-NL" dirty="0" smtClean="0"/>
+              <a:t>20 huizen</a:t>
+            </a:r>
           </a:p>
         </p:txBody>
       </p:sp>
@@ -20416,11 +20451,7 @@
           <a:p>
             <a:r>
               <a:rPr lang="nl-NL" dirty="0" smtClean="0"/>
-              <a:t>In onze case</a:t>
-            </a:r>
-            <a:r>
-              <a:rPr lang="nl-NL" dirty="0" smtClean="0"/>
-              <a:t>:</a:t>
+              <a:t>In onze case:</a:t>
             </a:r>
           </a:p>
           <a:p>
@@ -20468,7 +20499,6 @@
               <a:rPr lang="nl-NL" dirty="0" smtClean="0"/>
               <a:t>Verschuif slimmer</a:t>
             </a:r>
-            <a:endParaRPr lang="nl-NL" dirty="0" smtClean="0"/>
           </a:p>
           <a:p>
             <a:pPr marL="666900" lvl="1" indent="-342900">
@@ -20909,11 +20939,6 @@
               </a:rPr>
               <a:t>29/05/2018</a:t>
             </a:r>
-            <a:endParaRPr lang="nl-NL" dirty="0" smtClean="0">
-              <a:solidFill>
-                <a:schemeClr val="bg1"/>
-              </a:solidFill>
-            </a:endParaRPr>
           </a:p>
           <a:p>
             <a:endParaRPr lang="nl-NL" dirty="0" smtClean="0">
@@ -21026,7 +21051,6 @@
               <a:rPr lang="nl-NL" dirty="0" smtClean="0"/>
               <a:t>60% v.h. totaal</a:t>
             </a:r>
-            <a:endParaRPr lang="nl-NL" dirty="0" smtClean="0"/>
           </a:p>
           <a:p>
             <a:r>
@@ -21037,11 +21061,7 @@
           <a:p>
             <a:r>
               <a:rPr lang="nl-NL" dirty="0" smtClean="0"/>
-              <a:t>2 meter </a:t>
-            </a:r>
-            <a:r>
-              <a:rPr lang="nl-NL" dirty="0" smtClean="0"/>
-              <a:t>verplichte vrijstand</a:t>
+              <a:t>2 meter verplichte vrijstand</a:t>
             </a:r>
             <a:endParaRPr lang="nl-NL" dirty="0"/>
           </a:p>
@@ -21433,7 +21453,6 @@
               <a:rPr lang="nl-NL" dirty="0" smtClean="0"/>
               <a:t>totaal</a:t>
             </a:r>
-            <a:endParaRPr lang="nl-NL" dirty="0" smtClean="0"/>
           </a:p>
           <a:p>
             <a:r>
@@ -21444,15 +21463,7 @@
           <a:p>
             <a:r>
               <a:rPr lang="nl-NL" dirty="0" smtClean="0"/>
-              <a:t>3 meter </a:t>
-            </a:r>
-            <a:r>
-              <a:rPr lang="nl-NL" dirty="0" smtClean="0"/>
-              <a:t>verplichte </a:t>
-            </a:r>
-            <a:r>
-              <a:rPr lang="nl-NL" dirty="0" smtClean="0"/>
-              <a:t>vrijstand</a:t>
+              <a:t>3 meter verplichte vrijstand</a:t>
             </a:r>
             <a:endParaRPr lang="nl-NL" dirty="0"/>
           </a:p>
@@ -21698,7 +21709,6 @@
               <a:rPr lang="nl-NL" dirty="0" smtClean="0"/>
               <a:t>totaal</a:t>
             </a:r>
-            <a:endParaRPr lang="nl-NL" dirty="0" smtClean="0"/>
           </a:p>
           <a:p>
             <a:r>
@@ -22345,7 +22355,6 @@
               <a:rPr lang="nl-NL" dirty="0" smtClean="0"/>
               <a:t>Toestandsruimte &amp; Score</a:t>
             </a:r>
-            <a:endParaRPr lang="nl-NL" dirty="0" smtClean="0"/>
           </a:p>
           <a:p>
             <a:r>
@@ -22989,8 +22998,8 @@
           </a:p>
         </p:txBody>
       </p:sp>
-      <mc:AlternateContent xmlns:mc="http://schemas.openxmlformats.org/markup-compatibility/2006">
-        <mc:Choice xmlns:a14="http://schemas.microsoft.com/office/drawing/2010/main" Requires="a14">
+      <mc:AlternateContent xmlns:mc="http://schemas.openxmlformats.org/markup-compatibility/2006" xmlns:a14="http://schemas.microsoft.com/office/drawing/2010/main">
+        <mc:Choice Requires="a14">
           <p:sp>
             <p:nvSpPr>
               <p:cNvPr id="29" name="Tijdelijke aanduiding voor inhoud 28"/>
@@ -23071,11 +23080,7 @@
                 </a:br>
                 <a:r>
                   <a:rPr lang="nl-NL" dirty="0" smtClean="0"/>
-                  <a:t>overschatting </a:t>
-                </a:r>
-                <a:r>
-                  <a:rPr lang="nl-NL" dirty="0" smtClean="0"/>
-                  <a:t>aantal </a:t>
+                  <a:t>overschatting aantal </a:t>
                 </a:r>
                 <a14:m>
                   <m:oMath xmlns:m="http://schemas.openxmlformats.org/officeDocument/2006/math">
@@ -23091,27 +23096,19 @@
                   <a:rPr lang="en-GB" dirty="0" smtClean="0"/>
                   <a:t> = </a:t>
                 </a:r>
-                <a:r>
-                  <a:rPr lang="en-GB" dirty="0" smtClean="0"/>
-                  <a:t/>
-                </a:r>
                 <a:br>
                   <a:rPr lang="en-GB" dirty="0" smtClean="0"/>
                 </a:br>
                 <a:r>
                   <a:rPr lang="nl-NL" dirty="0" smtClean="0"/>
-                  <a:t>overschatting </a:t>
-                </a:r>
-                <a:r>
-                  <a:rPr lang="nl-NL" dirty="0" smtClean="0"/>
-                  <a:t>winst</a:t>
+                  <a:t>overschatting winst</a:t>
                 </a:r>
                 <a:endParaRPr lang="nl-NL" dirty="0"/>
               </a:p>
             </p:txBody>
           </p:sp>
         </mc:Choice>
-        <mc:Fallback>
+        <mc:Fallback xmlns="">
           <p:sp>
             <p:nvSpPr>
               <p:cNvPr id="29" name="Tijdelijke aanduiding voor inhoud 28"/>
@@ -26713,7 +26710,7 @@
   <a:extraClrSchemeLst/>
   <a:extLst>
     <a:ext uri="{05A4C25C-085E-4340-85A3-A5531E510DB2}">
-      <thm15:themeFamily xmlns:thm15="http://schemas.microsoft.com/office/thememl/2012/main" xmlns="" name="Dividend" id="{9697A71B-4AB7-4A1A-BD5B-BB2D22835B57}" vid="{C21699FF-00E4-43C8-BBCC-D7E5536C3717}"/>
+      <thm15:themeFamily xmlns="" xmlns:thm15="http://schemas.microsoft.com/office/thememl/2012/main" name="Dividend" id="{9697A71B-4AB7-4A1A-BD5B-BB2D22835B57}" vid="{C21699FF-00E4-43C8-BBCC-D7E5536C3717}"/>
     </a:ext>
   </a:extLst>
 </a:theme>
@@ -27008,7 +27005,7 @@
   <a:extraClrSchemeLst/>
   <a:extLst>
     <a:ext uri="{05A4C25C-085E-4340-85A3-A5531E510DB2}">
-      <thm15:themeFamily xmlns:thm15="http://schemas.microsoft.com/office/thememl/2012/main" xmlns="" name="Office Theme" id="{62F939B6-93AF-4DB8-9C6B-D6C7DFDC589F}" vid="{4A3C46E8-61CC-4603-A589-7422A47A8E4A}"/>
+      <thm15:themeFamily xmlns="" xmlns:thm15="http://schemas.microsoft.com/office/thememl/2012/main" name="Office Theme" id="{62F939B6-93AF-4DB8-9C6B-D6C7DFDC589F}" vid="{4A3C46E8-61CC-4603-A589-7422A47A8E4A}"/>
     </a:ext>
   </a:extLst>
 </a:theme>
